--- a/ppt/components.pptx
+++ b/ppt/components.pptx
@@ -6,6 +6,7 @@
   </p:sldMasterIdLst>
   <p:sldIdLst>
     <p:sldId id="256" r:id="rId2"/>
+    <p:sldId id="257" r:id="rId3"/>
   </p:sldIdLst>
   <p:sldSz cx="12192000" cy="6858000"/>
   <p:notesSz cx="6858000" cy="9144000"/>
@@ -104,6 +105,11 @@
       </a:defRPr>
     </a:lvl9pPr>
   </p:defaultTextStyle>
+  <p:extLst>
+    <p:ext uri="{EFAFB233-063F-42B5-8137-9DF3F51BA10A}">
+      <p15:sldGuideLst xmlns:p15="http://schemas.microsoft.com/office/powerpoint/2012/main"/>
+    </p:ext>
+  </p:extLst>
 </p:presentation>
 </file>
 
@@ -256,7 +262,7 @@
           <a:p>
             <a:fld id="{32C97398-FE00-8642-9C58-9F0A176172BB}" type="datetimeFigureOut">
               <a:rPr kumimoji="1" lang="ko-Kore-KR" altLang="en-US" smtClean="0"/>
-              <a:t>2024. 3. 25.</a:t>
+              <a:t>2024. 4. 1.</a:t>
             </a:fld>
             <a:endParaRPr kumimoji="1" lang="ko-Kore-KR" altLang="en-US"/>
           </a:p>
@@ -456,7 +462,7 @@
           <a:p>
             <a:fld id="{32C97398-FE00-8642-9C58-9F0A176172BB}" type="datetimeFigureOut">
               <a:rPr kumimoji="1" lang="ko-Kore-KR" altLang="en-US" smtClean="0"/>
-              <a:t>2024. 3. 25.</a:t>
+              <a:t>2024. 4. 1.</a:t>
             </a:fld>
             <a:endParaRPr kumimoji="1" lang="ko-Kore-KR" altLang="en-US"/>
           </a:p>
@@ -666,7 +672,7 @@
           <a:p>
             <a:fld id="{32C97398-FE00-8642-9C58-9F0A176172BB}" type="datetimeFigureOut">
               <a:rPr kumimoji="1" lang="ko-Kore-KR" altLang="en-US" smtClean="0"/>
-              <a:t>2024. 3. 25.</a:t>
+              <a:t>2024. 4. 1.</a:t>
             </a:fld>
             <a:endParaRPr kumimoji="1" lang="ko-Kore-KR" altLang="en-US"/>
           </a:p>
@@ -866,7 +872,7 @@
           <a:p>
             <a:fld id="{32C97398-FE00-8642-9C58-9F0A176172BB}" type="datetimeFigureOut">
               <a:rPr kumimoji="1" lang="ko-Kore-KR" altLang="en-US" smtClean="0"/>
-              <a:t>2024. 3. 25.</a:t>
+              <a:t>2024. 4. 1.</a:t>
             </a:fld>
             <a:endParaRPr kumimoji="1" lang="ko-Kore-KR" altLang="en-US"/>
           </a:p>
@@ -1142,7 +1148,7 @@
           <a:p>
             <a:fld id="{32C97398-FE00-8642-9C58-9F0A176172BB}" type="datetimeFigureOut">
               <a:rPr kumimoji="1" lang="ko-Kore-KR" altLang="en-US" smtClean="0"/>
-              <a:t>2024. 3. 25.</a:t>
+              <a:t>2024. 4. 1.</a:t>
             </a:fld>
             <a:endParaRPr kumimoji="1" lang="ko-Kore-KR" altLang="en-US"/>
           </a:p>
@@ -1410,7 +1416,7 @@
           <a:p>
             <a:fld id="{32C97398-FE00-8642-9C58-9F0A176172BB}" type="datetimeFigureOut">
               <a:rPr kumimoji="1" lang="ko-Kore-KR" altLang="en-US" smtClean="0"/>
-              <a:t>2024. 3. 25.</a:t>
+              <a:t>2024. 4. 1.</a:t>
             </a:fld>
             <a:endParaRPr kumimoji="1" lang="ko-Kore-KR" altLang="en-US"/>
           </a:p>
@@ -1825,7 +1831,7 @@
           <a:p>
             <a:fld id="{32C97398-FE00-8642-9C58-9F0A176172BB}" type="datetimeFigureOut">
               <a:rPr kumimoji="1" lang="ko-Kore-KR" altLang="en-US" smtClean="0"/>
-              <a:t>2024. 3. 25.</a:t>
+              <a:t>2024. 4. 1.</a:t>
             </a:fld>
             <a:endParaRPr kumimoji="1" lang="ko-Kore-KR" altLang="en-US"/>
           </a:p>
@@ -1967,7 +1973,7 @@
           <a:p>
             <a:fld id="{32C97398-FE00-8642-9C58-9F0A176172BB}" type="datetimeFigureOut">
               <a:rPr kumimoji="1" lang="ko-Kore-KR" altLang="en-US" smtClean="0"/>
-              <a:t>2024. 3. 25.</a:t>
+              <a:t>2024. 4. 1.</a:t>
             </a:fld>
             <a:endParaRPr kumimoji="1" lang="ko-Kore-KR" altLang="en-US"/>
           </a:p>
@@ -2080,7 +2086,7 @@
           <a:p>
             <a:fld id="{32C97398-FE00-8642-9C58-9F0A176172BB}" type="datetimeFigureOut">
               <a:rPr kumimoji="1" lang="ko-Kore-KR" altLang="en-US" smtClean="0"/>
-              <a:t>2024. 3. 25.</a:t>
+              <a:t>2024. 4. 1.</a:t>
             </a:fld>
             <a:endParaRPr kumimoji="1" lang="ko-Kore-KR" altLang="en-US"/>
           </a:p>
@@ -2393,7 +2399,7 @@
           <a:p>
             <a:fld id="{32C97398-FE00-8642-9C58-9F0A176172BB}" type="datetimeFigureOut">
               <a:rPr kumimoji="1" lang="ko-Kore-KR" altLang="en-US" smtClean="0"/>
-              <a:t>2024. 3. 25.</a:t>
+              <a:t>2024. 4. 1.</a:t>
             </a:fld>
             <a:endParaRPr kumimoji="1" lang="ko-Kore-KR" altLang="en-US"/>
           </a:p>
@@ -2682,7 +2688,7 @@
           <a:p>
             <a:fld id="{32C97398-FE00-8642-9C58-9F0A176172BB}" type="datetimeFigureOut">
               <a:rPr kumimoji="1" lang="ko-Kore-KR" altLang="en-US" smtClean="0"/>
-              <a:t>2024. 3. 25.</a:t>
+              <a:t>2024. 4. 1.</a:t>
             </a:fld>
             <a:endParaRPr kumimoji="1" lang="ko-Kore-KR" altLang="en-US"/>
           </a:p>
@@ -2925,7 +2931,7 @@
           <a:p>
             <a:fld id="{32C97398-FE00-8642-9C58-9F0A176172BB}" type="datetimeFigureOut">
               <a:rPr kumimoji="1" lang="ko-Kore-KR" altLang="en-US" smtClean="0"/>
-              <a:t>2024. 3. 25.</a:t>
+              <a:t>2024. 4. 1.</a:t>
             </a:fld>
             <a:endParaRPr kumimoji="1" lang="ko-Kore-KR" altLang="en-US"/>
           </a:p>
@@ -4567,6 +4573,1523 @@
 </p:sld>
 </file>
 
+<file path=ppt/slides/slide2.xml><?xml version="1.0" encoding="utf-8"?>
+<p:sld xmlns:a="http://schemas.openxmlformats.org/drawingml/2006/main" xmlns:r="http://schemas.openxmlformats.org/officeDocument/2006/relationships" xmlns:p="http://schemas.openxmlformats.org/presentationml/2006/main">
+  <p:cSld>
+    <p:spTree>
+      <p:nvGrpSpPr>
+        <p:cNvPr id="1" name=""/>
+        <p:cNvGrpSpPr/>
+        <p:nvPr/>
+      </p:nvGrpSpPr>
+      <p:grpSpPr>
+        <a:xfrm>
+          <a:off x="0" y="0"/>
+          <a:ext cx="0" cy="0"/>
+          <a:chOff x="0" y="0"/>
+          <a:chExt cx="0" cy="0"/>
+        </a:xfrm>
+      </p:grpSpPr>
+      <p:sp>
+        <p:nvSpPr>
+          <p:cNvPr id="12" name="모서리가 둥근 직사각형 11">
+            <a:extLst>
+              <a:ext uri="{FF2B5EF4-FFF2-40B4-BE49-F238E27FC236}">
+                <a16:creationId xmlns:a16="http://schemas.microsoft.com/office/drawing/2014/main" id="{3367636E-A8F4-E6D9-326F-3E7E9F9E48E6}"/>
+              </a:ext>
+            </a:extLst>
+          </p:cNvPr>
+          <p:cNvSpPr/>
+          <p:nvPr/>
+        </p:nvSpPr>
+        <p:spPr>
+          <a:xfrm>
+            <a:off x="1328738" y="671514"/>
+            <a:ext cx="9301162" cy="1571625"/>
+          </a:xfrm>
+          <a:prstGeom prst="roundRect">
+            <a:avLst>
+              <a:gd name="adj" fmla="val 7576"/>
+            </a:avLst>
+          </a:prstGeom>
+          <a:solidFill>
+            <a:schemeClr val="accent6">
+              <a:lumMod val="20000"/>
+              <a:lumOff val="80000"/>
+            </a:schemeClr>
+          </a:solidFill>
+          <a:ln>
+            <a:noFill/>
+          </a:ln>
+        </p:spPr>
+        <p:style>
+          <a:lnRef idx="2">
+            <a:schemeClr val="accent1">
+              <a:shade val="50000"/>
+            </a:schemeClr>
+          </a:lnRef>
+          <a:fillRef idx="1">
+            <a:schemeClr val="accent1"/>
+          </a:fillRef>
+          <a:effectRef idx="0">
+            <a:schemeClr val="accent1"/>
+          </a:effectRef>
+          <a:fontRef idx="minor">
+            <a:schemeClr val="lt1"/>
+          </a:fontRef>
+        </p:style>
+        <p:txBody>
+          <a:bodyPr rtlCol="0" anchor="ctr"/>
+          <a:lstStyle/>
+          <a:p>
+            <a:pPr algn="ctr"/>
+            <a:endParaRPr kumimoji="1" lang="ko-Kore-KR" altLang="en-US"/>
+          </a:p>
+        </p:txBody>
+      </p:sp>
+      <p:sp>
+        <p:nvSpPr>
+          <p:cNvPr id="13" name="TextBox 12">
+            <a:extLst>
+              <a:ext uri="{FF2B5EF4-FFF2-40B4-BE49-F238E27FC236}">
+                <a16:creationId xmlns:a16="http://schemas.microsoft.com/office/drawing/2014/main" id="{10E35D4D-BFCB-DB15-5C18-A4194E36197F}"/>
+              </a:ext>
+            </a:extLst>
+          </p:cNvPr>
+          <p:cNvSpPr txBox="1"/>
+          <p:nvPr/>
+        </p:nvSpPr>
+        <p:spPr>
+          <a:xfrm>
+            <a:off x="1409703" y="347067"/>
+            <a:ext cx="4057201" cy="369332"/>
+          </a:xfrm>
+          <a:prstGeom prst="rect">
+            <a:avLst/>
+          </a:prstGeom>
+          <a:noFill/>
+        </p:spPr>
+        <p:txBody>
+          <a:bodyPr wrap="none" rtlCol="0">
+            <a:spAutoFit/>
+          </a:bodyPr>
+          <a:lstStyle/>
+          <a:p>
+            <a:r>
+              <a:rPr kumimoji="1" lang="en-US" altLang="ko-Kore-KR" b="1" dirty="0"/>
+              <a:t>WBS for Requirement Engineering Phase</a:t>
+            </a:r>
+            <a:endParaRPr kumimoji="1" lang="ko-Kore-KR" altLang="en-US" b="1" dirty="0"/>
+          </a:p>
+        </p:txBody>
+      </p:sp>
+      <p:sp>
+        <p:nvSpPr>
+          <p:cNvPr id="29" name="오른쪽 화살표[R] 28">
+            <a:extLst>
+              <a:ext uri="{FF2B5EF4-FFF2-40B4-BE49-F238E27FC236}">
+                <a16:creationId xmlns:a16="http://schemas.microsoft.com/office/drawing/2014/main" id="{0CC7A944-CBEE-BA79-22D8-8ADDD1BEDA4C}"/>
+              </a:ext>
+            </a:extLst>
+          </p:cNvPr>
+          <p:cNvSpPr/>
+          <p:nvPr/>
+        </p:nvSpPr>
+        <p:spPr>
+          <a:xfrm>
+            <a:off x="1014413" y="1299864"/>
+            <a:ext cx="9929812" cy="378142"/>
+          </a:xfrm>
+          <a:prstGeom prst="rightArrow">
+            <a:avLst/>
+          </a:prstGeom>
+          <a:solidFill>
+            <a:schemeClr val="accent6">
+              <a:lumMod val="50000"/>
+            </a:schemeClr>
+          </a:solidFill>
+          <a:ln>
+            <a:noFill/>
+          </a:ln>
+        </p:spPr>
+        <p:style>
+          <a:lnRef idx="2">
+            <a:schemeClr val="accent1">
+              <a:shade val="50000"/>
+            </a:schemeClr>
+          </a:lnRef>
+          <a:fillRef idx="1">
+            <a:schemeClr val="accent1"/>
+          </a:fillRef>
+          <a:effectRef idx="0">
+            <a:schemeClr val="accent1"/>
+          </a:effectRef>
+          <a:fontRef idx="minor">
+            <a:schemeClr val="lt1"/>
+          </a:fontRef>
+        </p:style>
+        <p:txBody>
+          <a:bodyPr rtlCol="0" anchor="ctr"/>
+          <a:lstStyle/>
+          <a:p>
+            <a:pPr algn="ctr"/>
+            <a:endParaRPr kumimoji="1" lang="ko-Kore-KR" altLang="en-US"/>
+          </a:p>
+        </p:txBody>
+      </p:sp>
+      <p:sp>
+        <p:nvSpPr>
+          <p:cNvPr id="4" name="대각선 방향의 모서리가 잘린 사각형 3">
+            <a:extLst>
+              <a:ext uri="{FF2B5EF4-FFF2-40B4-BE49-F238E27FC236}">
+                <a16:creationId xmlns:a16="http://schemas.microsoft.com/office/drawing/2014/main" id="{1279B7D0-E46C-92C9-B94B-F7CADB1F8192}"/>
+              </a:ext>
+            </a:extLst>
+          </p:cNvPr>
+          <p:cNvSpPr/>
+          <p:nvPr/>
+        </p:nvSpPr>
+        <p:spPr>
+          <a:xfrm>
+            <a:off x="1543050" y="1122045"/>
+            <a:ext cx="1231392" cy="670560"/>
+          </a:xfrm>
+          <a:prstGeom prst="snip2DiagRect">
+            <a:avLst/>
+          </a:prstGeom>
+          <a:solidFill>
+            <a:schemeClr val="accent6">
+              <a:lumMod val="60000"/>
+              <a:lumOff val="40000"/>
+            </a:schemeClr>
+          </a:solidFill>
+          <a:ln>
+            <a:noFill/>
+          </a:ln>
+        </p:spPr>
+        <p:style>
+          <a:lnRef idx="2">
+            <a:schemeClr val="accent1">
+              <a:shade val="50000"/>
+            </a:schemeClr>
+          </a:lnRef>
+          <a:fillRef idx="1">
+            <a:schemeClr val="accent1"/>
+          </a:fillRef>
+          <a:effectRef idx="0">
+            <a:schemeClr val="accent1"/>
+          </a:effectRef>
+          <a:fontRef idx="minor">
+            <a:schemeClr val="lt1"/>
+          </a:fontRef>
+        </p:style>
+        <p:txBody>
+          <a:bodyPr rtlCol="0" anchor="ctr"/>
+          <a:lstStyle/>
+          <a:p>
+            <a:pPr algn="ctr"/>
+            <a:r>
+              <a:rPr kumimoji="1" lang="en-US" altLang="ko-Kore-KR" sz="1500" dirty="0"/>
+              <a:t>Feasibility</a:t>
+            </a:r>
+          </a:p>
+          <a:p>
+            <a:pPr algn="ctr"/>
+            <a:r>
+              <a:rPr kumimoji="1" lang="en-US" altLang="ko-Kore-KR" sz="1500" dirty="0"/>
+              <a:t>Study</a:t>
+            </a:r>
+            <a:endParaRPr kumimoji="1" lang="ko-Kore-KR" altLang="en-US" sz="1500" dirty="0"/>
+          </a:p>
+        </p:txBody>
+      </p:sp>
+      <p:sp>
+        <p:nvSpPr>
+          <p:cNvPr id="5" name="대각선 방향의 모서리가 잘린 사각형 4">
+            <a:extLst>
+              <a:ext uri="{FF2B5EF4-FFF2-40B4-BE49-F238E27FC236}">
+                <a16:creationId xmlns:a16="http://schemas.microsoft.com/office/drawing/2014/main" id="{368DFB87-4E6B-9699-9469-A4EB8DBCE3F1}"/>
+              </a:ext>
+            </a:extLst>
+          </p:cNvPr>
+          <p:cNvSpPr/>
+          <p:nvPr/>
+        </p:nvSpPr>
+        <p:spPr>
+          <a:xfrm>
+            <a:off x="3167062" y="1130616"/>
+            <a:ext cx="1533525" cy="670560"/>
+          </a:xfrm>
+          <a:prstGeom prst="snip2DiagRect">
+            <a:avLst/>
+          </a:prstGeom>
+          <a:solidFill>
+            <a:schemeClr val="accent6">
+              <a:lumMod val="60000"/>
+              <a:lumOff val="40000"/>
+            </a:schemeClr>
+          </a:solidFill>
+          <a:ln>
+            <a:noFill/>
+          </a:ln>
+        </p:spPr>
+        <p:style>
+          <a:lnRef idx="2">
+            <a:schemeClr val="accent1">
+              <a:shade val="50000"/>
+            </a:schemeClr>
+          </a:lnRef>
+          <a:fillRef idx="1">
+            <a:schemeClr val="accent1"/>
+          </a:fillRef>
+          <a:effectRef idx="0">
+            <a:schemeClr val="accent1"/>
+          </a:effectRef>
+          <a:fontRef idx="minor">
+            <a:schemeClr val="lt1"/>
+          </a:fontRef>
+        </p:style>
+        <p:txBody>
+          <a:bodyPr rtlCol="0" anchor="ctr"/>
+          <a:lstStyle/>
+          <a:p>
+            <a:pPr algn="ctr"/>
+            <a:r>
+              <a:rPr kumimoji="1" lang="en-US" altLang="ko-Kore-KR" sz="1500" dirty="0"/>
+              <a:t>Requirement Analysis</a:t>
+            </a:r>
+            <a:endParaRPr kumimoji="1" lang="ko-Kore-KR" altLang="en-US" sz="1500" dirty="0"/>
+          </a:p>
+        </p:txBody>
+      </p:sp>
+      <p:sp>
+        <p:nvSpPr>
+          <p:cNvPr id="7" name="대각선 방향의 모서리가 잘린 사각형 6">
+            <a:extLst>
+              <a:ext uri="{FF2B5EF4-FFF2-40B4-BE49-F238E27FC236}">
+                <a16:creationId xmlns:a16="http://schemas.microsoft.com/office/drawing/2014/main" id="{A7003C7D-446A-16ED-C71A-A822DB12A271}"/>
+              </a:ext>
+            </a:extLst>
+          </p:cNvPr>
+          <p:cNvSpPr/>
+          <p:nvPr/>
+        </p:nvSpPr>
+        <p:spPr>
+          <a:xfrm>
+            <a:off x="5093207" y="1129665"/>
+            <a:ext cx="1231392" cy="670560"/>
+          </a:xfrm>
+          <a:prstGeom prst="snip2DiagRect">
+            <a:avLst/>
+          </a:prstGeom>
+          <a:solidFill>
+            <a:schemeClr val="accent6">
+              <a:lumMod val="60000"/>
+              <a:lumOff val="40000"/>
+            </a:schemeClr>
+          </a:solidFill>
+          <a:ln>
+            <a:noFill/>
+          </a:ln>
+        </p:spPr>
+        <p:style>
+          <a:lnRef idx="2">
+            <a:schemeClr val="accent1">
+              <a:shade val="50000"/>
+            </a:schemeClr>
+          </a:lnRef>
+          <a:fillRef idx="1">
+            <a:schemeClr val="accent1"/>
+          </a:fillRef>
+          <a:effectRef idx="0">
+            <a:schemeClr val="accent1"/>
+          </a:effectRef>
+          <a:fontRef idx="minor">
+            <a:schemeClr val="lt1"/>
+          </a:fontRef>
+        </p:style>
+        <p:txBody>
+          <a:bodyPr rtlCol="0" anchor="ctr"/>
+          <a:lstStyle/>
+          <a:p>
+            <a:pPr algn="ctr"/>
+            <a:r>
+              <a:rPr kumimoji="1" lang="en-US" altLang="ko-Kore-KR" sz="1500" dirty="0"/>
+              <a:t>Prototype</a:t>
+            </a:r>
+          </a:p>
+          <a:p>
+            <a:pPr algn="ctr"/>
+            <a:r>
+              <a:rPr kumimoji="1" lang="en-US" altLang="ko-Kore-KR" sz="1500" dirty="0"/>
+              <a:t>Design</a:t>
+            </a:r>
+            <a:endParaRPr kumimoji="1" lang="ko-Kore-KR" altLang="en-US" sz="1500" dirty="0"/>
+          </a:p>
+        </p:txBody>
+      </p:sp>
+      <p:sp>
+        <p:nvSpPr>
+          <p:cNvPr id="10" name="대각선 방향의 모서리가 잘린 사각형 9">
+            <a:extLst>
+              <a:ext uri="{FF2B5EF4-FFF2-40B4-BE49-F238E27FC236}">
+                <a16:creationId xmlns:a16="http://schemas.microsoft.com/office/drawing/2014/main" id="{43E6C76D-96B9-80CA-B880-D8E1EE813A4A}"/>
+              </a:ext>
+            </a:extLst>
+          </p:cNvPr>
+          <p:cNvSpPr/>
+          <p:nvPr/>
+        </p:nvSpPr>
+        <p:spPr>
+          <a:xfrm>
+            <a:off x="6781803" y="1129665"/>
+            <a:ext cx="1533525" cy="670560"/>
+          </a:xfrm>
+          <a:prstGeom prst="snip2DiagRect">
+            <a:avLst/>
+          </a:prstGeom>
+          <a:solidFill>
+            <a:schemeClr val="accent6">
+              <a:lumMod val="60000"/>
+              <a:lumOff val="40000"/>
+            </a:schemeClr>
+          </a:solidFill>
+          <a:ln>
+            <a:noFill/>
+          </a:ln>
+        </p:spPr>
+        <p:style>
+          <a:lnRef idx="2">
+            <a:schemeClr val="accent1">
+              <a:shade val="50000"/>
+            </a:schemeClr>
+          </a:lnRef>
+          <a:fillRef idx="1">
+            <a:schemeClr val="accent1"/>
+          </a:fillRef>
+          <a:effectRef idx="0">
+            <a:schemeClr val="accent1"/>
+          </a:effectRef>
+          <a:fontRef idx="minor">
+            <a:schemeClr val="lt1"/>
+          </a:fontRef>
+        </p:style>
+        <p:txBody>
+          <a:bodyPr rtlCol="0" anchor="ctr"/>
+          <a:lstStyle/>
+          <a:p>
+            <a:pPr algn="ctr"/>
+            <a:r>
+              <a:rPr kumimoji="1" lang="en-US" altLang="ko-Kore-KR" sz="1500" dirty="0"/>
+              <a:t>Architectural</a:t>
+            </a:r>
+          </a:p>
+          <a:p>
+            <a:pPr algn="ctr"/>
+            <a:r>
+              <a:rPr kumimoji="1" lang="en-US" altLang="ko-Kore-KR" sz="1500" dirty="0"/>
+              <a:t>Design</a:t>
+            </a:r>
+            <a:endParaRPr kumimoji="1" lang="ko-Kore-KR" altLang="en-US" sz="1500" dirty="0"/>
+          </a:p>
+        </p:txBody>
+      </p:sp>
+      <p:sp>
+        <p:nvSpPr>
+          <p:cNvPr id="11" name="대각선 방향의 모서리가 잘린 사각형 10">
+            <a:extLst>
+              <a:ext uri="{FF2B5EF4-FFF2-40B4-BE49-F238E27FC236}">
+                <a16:creationId xmlns:a16="http://schemas.microsoft.com/office/drawing/2014/main" id="{8BB23694-6E50-88AF-AED5-5ECD5E1139C7}"/>
+              </a:ext>
+            </a:extLst>
+          </p:cNvPr>
+          <p:cNvSpPr/>
+          <p:nvPr/>
+        </p:nvSpPr>
+        <p:spPr>
+          <a:xfrm>
+            <a:off x="8772532" y="1130616"/>
+            <a:ext cx="1533525" cy="670560"/>
+          </a:xfrm>
+          <a:prstGeom prst="snip2DiagRect">
+            <a:avLst/>
+          </a:prstGeom>
+          <a:solidFill>
+            <a:schemeClr val="accent6">
+              <a:lumMod val="60000"/>
+              <a:lumOff val="40000"/>
+            </a:schemeClr>
+          </a:solidFill>
+          <a:ln>
+            <a:noFill/>
+          </a:ln>
+        </p:spPr>
+        <p:style>
+          <a:lnRef idx="2">
+            <a:schemeClr val="accent1">
+              <a:shade val="50000"/>
+            </a:schemeClr>
+          </a:lnRef>
+          <a:fillRef idx="1">
+            <a:schemeClr val="accent1"/>
+          </a:fillRef>
+          <a:effectRef idx="0">
+            <a:schemeClr val="accent1"/>
+          </a:effectRef>
+          <a:fontRef idx="minor">
+            <a:schemeClr val="lt1"/>
+          </a:fontRef>
+        </p:style>
+        <p:txBody>
+          <a:bodyPr rtlCol="0" anchor="ctr"/>
+          <a:lstStyle/>
+          <a:p>
+            <a:pPr algn="ctr"/>
+            <a:r>
+              <a:rPr kumimoji="1" lang="en-US" altLang="ko-Kore-KR" sz="1500" dirty="0"/>
+              <a:t>System</a:t>
+            </a:r>
+          </a:p>
+          <a:p>
+            <a:pPr algn="ctr"/>
+            <a:r>
+              <a:rPr kumimoji="1" lang="en-US" altLang="ko-Kore-KR" sz="1500" dirty="0"/>
+              <a:t>Requirement</a:t>
+            </a:r>
+          </a:p>
+          <a:p>
+            <a:pPr algn="ctr"/>
+            <a:r>
+              <a:rPr kumimoji="1" lang="en-US" altLang="ko-Kore-KR" sz="1500" dirty="0"/>
+              <a:t>(SRS)</a:t>
+            </a:r>
+            <a:endParaRPr kumimoji="1" lang="ko-Kore-KR" altLang="en-US" sz="1500" dirty="0"/>
+          </a:p>
+        </p:txBody>
+      </p:sp>
+      <p:cxnSp>
+        <p:nvCxnSpPr>
+          <p:cNvPr id="37" name="직선 연결선[R] 36">
+            <a:extLst>
+              <a:ext uri="{FF2B5EF4-FFF2-40B4-BE49-F238E27FC236}">
+                <a16:creationId xmlns:a16="http://schemas.microsoft.com/office/drawing/2014/main" id="{1E28EEC4-420D-B0BC-EB15-DE60B7B54487}"/>
+              </a:ext>
+            </a:extLst>
+          </p:cNvPr>
+          <p:cNvCxnSpPr>
+            <a:cxnSpLocks/>
+            <a:stCxn id="4" idx="1"/>
+            <a:endCxn id="9" idx="0"/>
+          </p:cNvCxnSpPr>
+          <p:nvPr/>
+        </p:nvCxnSpPr>
+        <p:spPr>
+          <a:xfrm>
+            <a:off x="2158746" y="1792605"/>
+            <a:ext cx="17720" cy="1845826"/>
+          </a:xfrm>
+          <a:prstGeom prst="line">
+            <a:avLst/>
+          </a:prstGeom>
+          <a:ln w="25400">
+            <a:solidFill>
+              <a:schemeClr val="tx1"/>
+            </a:solidFill>
+          </a:ln>
+        </p:spPr>
+        <p:style>
+          <a:lnRef idx="1">
+            <a:schemeClr val="accent1"/>
+          </a:lnRef>
+          <a:fillRef idx="0">
+            <a:schemeClr val="accent1"/>
+          </a:fillRef>
+          <a:effectRef idx="0">
+            <a:schemeClr val="accent1"/>
+          </a:effectRef>
+          <a:fontRef idx="minor">
+            <a:schemeClr val="tx1"/>
+          </a:fontRef>
+        </p:style>
+      </p:cxnSp>
+      <p:cxnSp>
+        <p:nvCxnSpPr>
+          <p:cNvPr id="39" name="직선 연결선[R] 38">
+            <a:extLst>
+              <a:ext uri="{FF2B5EF4-FFF2-40B4-BE49-F238E27FC236}">
+                <a16:creationId xmlns:a16="http://schemas.microsoft.com/office/drawing/2014/main" id="{2C722F46-1ED2-FC02-A1A6-3E3AA74735E9}"/>
+              </a:ext>
+            </a:extLst>
+          </p:cNvPr>
+          <p:cNvCxnSpPr>
+            <a:cxnSpLocks/>
+            <a:stCxn id="5" idx="1"/>
+            <a:endCxn id="6" idx="0"/>
+          </p:cNvCxnSpPr>
+          <p:nvPr/>
+        </p:nvCxnSpPr>
+        <p:spPr>
+          <a:xfrm flipH="1">
+            <a:off x="3933824" y="1801176"/>
+            <a:ext cx="1" cy="2836114"/>
+          </a:xfrm>
+          <a:prstGeom prst="line">
+            <a:avLst/>
+          </a:prstGeom>
+          <a:ln w="25400">
+            <a:solidFill>
+              <a:schemeClr val="tx1"/>
+            </a:solidFill>
+          </a:ln>
+        </p:spPr>
+        <p:style>
+          <a:lnRef idx="1">
+            <a:schemeClr val="accent1"/>
+          </a:lnRef>
+          <a:fillRef idx="0">
+            <a:schemeClr val="accent1"/>
+          </a:fillRef>
+          <a:effectRef idx="0">
+            <a:schemeClr val="accent1"/>
+          </a:effectRef>
+          <a:fontRef idx="minor">
+            <a:schemeClr val="tx1"/>
+          </a:fontRef>
+        </p:style>
+      </p:cxnSp>
+      <p:cxnSp>
+        <p:nvCxnSpPr>
+          <p:cNvPr id="42" name="직선 연결선[R] 41">
+            <a:extLst>
+              <a:ext uri="{FF2B5EF4-FFF2-40B4-BE49-F238E27FC236}">
+                <a16:creationId xmlns:a16="http://schemas.microsoft.com/office/drawing/2014/main" id="{FFAF2B53-93D2-BB64-2251-F2718CBBE75D}"/>
+              </a:ext>
+            </a:extLst>
+          </p:cNvPr>
+          <p:cNvCxnSpPr>
+            <a:cxnSpLocks/>
+            <a:stCxn id="7" idx="1"/>
+            <a:endCxn id="27" idx="0"/>
+          </p:cNvCxnSpPr>
+          <p:nvPr/>
+        </p:nvCxnSpPr>
+        <p:spPr>
+          <a:xfrm flipH="1">
+            <a:off x="5708902" y="1800225"/>
+            <a:ext cx="1" cy="2822777"/>
+          </a:xfrm>
+          <a:prstGeom prst="line">
+            <a:avLst/>
+          </a:prstGeom>
+          <a:ln w="25400">
+            <a:solidFill>
+              <a:schemeClr val="tx1"/>
+            </a:solidFill>
+          </a:ln>
+        </p:spPr>
+        <p:style>
+          <a:lnRef idx="1">
+            <a:schemeClr val="accent1"/>
+          </a:lnRef>
+          <a:fillRef idx="0">
+            <a:schemeClr val="accent1"/>
+          </a:fillRef>
+          <a:effectRef idx="0">
+            <a:schemeClr val="accent1"/>
+          </a:effectRef>
+          <a:fontRef idx="minor">
+            <a:schemeClr val="tx1"/>
+          </a:fontRef>
+        </p:style>
+      </p:cxnSp>
+      <p:cxnSp>
+        <p:nvCxnSpPr>
+          <p:cNvPr id="45" name="직선 연결선[R] 44">
+            <a:extLst>
+              <a:ext uri="{FF2B5EF4-FFF2-40B4-BE49-F238E27FC236}">
+                <a16:creationId xmlns:a16="http://schemas.microsoft.com/office/drawing/2014/main" id="{1A618E20-E367-0120-027F-C8898DDC8DF9}"/>
+              </a:ext>
+            </a:extLst>
+          </p:cNvPr>
+          <p:cNvCxnSpPr>
+            <a:cxnSpLocks/>
+            <a:stCxn id="10" idx="1"/>
+            <a:endCxn id="34" idx="0"/>
+          </p:cNvCxnSpPr>
+          <p:nvPr/>
+        </p:nvCxnSpPr>
+        <p:spPr>
+          <a:xfrm flipH="1">
+            <a:off x="7548565" y="1800225"/>
+            <a:ext cx="1" cy="2837065"/>
+          </a:xfrm>
+          <a:prstGeom prst="line">
+            <a:avLst/>
+          </a:prstGeom>
+          <a:ln w="25400">
+            <a:solidFill>
+              <a:schemeClr val="tx1"/>
+            </a:solidFill>
+          </a:ln>
+        </p:spPr>
+        <p:style>
+          <a:lnRef idx="1">
+            <a:schemeClr val="accent1"/>
+          </a:lnRef>
+          <a:fillRef idx="0">
+            <a:schemeClr val="accent1"/>
+          </a:fillRef>
+          <a:effectRef idx="0">
+            <a:schemeClr val="accent1"/>
+          </a:effectRef>
+          <a:fontRef idx="minor">
+            <a:schemeClr val="tx1"/>
+          </a:fontRef>
+        </p:style>
+      </p:cxnSp>
+      <p:cxnSp>
+        <p:nvCxnSpPr>
+          <p:cNvPr id="48" name="직선 연결선[R] 47">
+            <a:extLst>
+              <a:ext uri="{FF2B5EF4-FFF2-40B4-BE49-F238E27FC236}">
+                <a16:creationId xmlns:a16="http://schemas.microsoft.com/office/drawing/2014/main" id="{8AF4459C-8909-C844-17C3-A42EAAE88979}"/>
+              </a:ext>
+            </a:extLst>
+          </p:cNvPr>
+          <p:cNvCxnSpPr>
+            <a:cxnSpLocks/>
+            <a:stCxn id="11" idx="1"/>
+            <a:endCxn id="35" idx="0"/>
+          </p:cNvCxnSpPr>
+          <p:nvPr/>
+        </p:nvCxnSpPr>
+        <p:spPr>
+          <a:xfrm flipH="1">
+            <a:off x="9539294" y="1801176"/>
+            <a:ext cx="1" cy="1837255"/>
+          </a:xfrm>
+          <a:prstGeom prst="line">
+            <a:avLst/>
+          </a:prstGeom>
+          <a:ln w="25400">
+            <a:solidFill>
+              <a:schemeClr val="tx1"/>
+            </a:solidFill>
+          </a:ln>
+        </p:spPr>
+        <p:style>
+          <a:lnRef idx="1">
+            <a:schemeClr val="accent1"/>
+          </a:lnRef>
+          <a:fillRef idx="0">
+            <a:schemeClr val="accent1"/>
+          </a:fillRef>
+          <a:effectRef idx="0">
+            <a:schemeClr val="accent1"/>
+          </a:effectRef>
+          <a:fontRef idx="minor">
+            <a:schemeClr val="tx1"/>
+          </a:fontRef>
+        </p:style>
+      </p:cxnSp>
+      <p:sp>
+        <p:nvSpPr>
+          <p:cNvPr id="2" name="직사각형 1">
+            <a:extLst>
+              <a:ext uri="{FF2B5EF4-FFF2-40B4-BE49-F238E27FC236}">
+                <a16:creationId xmlns:a16="http://schemas.microsoft.com/office/drawing/2014/main" id="{61C57AF8-5129-9276-17C3-C250FCD7B2A7}"/>
+              </a:ext>
+            </a:extLst>
+          </p:cNvPr>
+          <p:cNvSpPr/>
+          <p:nvPr/>
+        </p:nvSpPr>
+        <p:spPr>
+          <a:xfrm>
+            <a:off x="3167062" y="2657356"/>
+            <a:ext cx="1533525" cy="813122"/>
+          </a:xfrm>
+          <a:prstGeom prst="rect">
+            <a:avLst/>
+          </a:prstGeom>
+          <a:solidFill>
+            <a:schemeClr val="accent6">
+              <a:lumMod val="75000"/>
+            </a:schemeClr>
+          </a:solidFill>
+          <a:ln>
+            <a:noFill/>
+          </a:ln>
+        </p:spPr>
+        <p:style>
+          <a:lnRef idx="2">
+            <a:schemeClr val="accent1">
+              <a:shade val="50000"/>
+            </a:schemeClr>
+          </a:lnRef>
+          <a:fillRef idx="1">
+            <a:schemeClr val="accent1"/>
+          </a:fillRef>
+          <a:effectRef idx="0">
+            <a:schemeClr val="accent1"/>
+          </a:effectRef>
+          <a:fontRef idx="minor">
+            <a:schemeClr val="lt1"/>
+          </a:fontRef>
+        </p:style>
+        <p:txBody>
+          <a:bodyPr rtlCol="0" anchor="ctr"/>
+          <a:lstStyle/>
+          <a:p>
+            <a:pPr algn="ctr"/>
+            <a:r>
+              <a:rPr kumimoji="1" lang="en-US" altLang="ko-Kore-KR" dirty="0"/>
+              <a:t>Brainstorming</a:t>
+            </a:r>
+          </a:p>
+        </p:txBody>
+      </p:sp>
+      <p:sp>
+        <p:nvSpPr>
+          <p:cNvPr id="3" name="직사각형 2">
+            <a:extLst>
+              <a:ext uri="{FF2B5EF4-FFF2-40B4-BE49-F238E27FC236}">
+                <a16:creationId xmlns:a16="http://schemas.microsoft.com/office/drawing/2014/main" id="{4586EE1D-5F4A-BCC8-1058-3981B7B9BE8B}"/>
+              </a:ext>
+            </a:extLst>
+          </p:cNvPr>
+          <p:cNvSpPr/>
+          <p:nvPr/>
+        </p:nvSpPr>
+        <p:spPr>
+          <a:xfrm>
+            <a:off x="3167062" y="3638431"/>
+            <a:ext cx="1533525" cy="813122"/>
+          </a:xfrm>
+          <a:prstGeom prst="rect">
+            <a:avLst/>
+          </a:prstGeom>
+          <a:solidFill>
+            <a:schemeClr val="accent6">
+              <a:lumMod val="75000"/>
+            </a:schemeClr>
+          </a:solidFill>
+          <a:ln>
+            <a:noFill/>
+          </a:ln>
+        </p:spPr>
+        <p:style>
+          <a:lnRef idx="2">
+            <a:schemeClr val="accent1">
+              <a:shade val="50000"/>
+            </a:schemeClr>
+          </a:lnRef>
+          <a:fillRef idx="1">
+            <a:schemeClr val="accent1"/>
+          </a:fillRef>
+          <a:effectRef idx="0">
+            <a:schemeClr val="accent1"/>
+          </a:effectRef>
+          <a:fontRef idx="minor">
+            <a:schemeClr val="lt1"/>
+          </a:fontRef>
+        </p:style>
+        <p:txBody>
+          <a:bodyPr rtlCol="0" anchor="ctr"/>
+          <a:lstStyle/>
+          <a:p>
+            <a:pPr algn="ctr"/>
+            <a:r>
+              <a:rPr kumimoji="1" lang="en-US" altLang="ko-Kore-KR" dirty="0"/>
+              <a:t>Review</a:t>
+            </a:r>
+          </a:p>
+        </p:txBody>
+      </p:sp>
+      <p:sp>
+        <p:nvSpPr>
+          <p:cNvPr id="6" name="직사각형 5">
+            <a:extLst>
+              <a:ext uri="{FF2B5EF4-FFF2-40B4-BE49-F238E27FC236}">
+                <a16:creationId xmlns:a16="http://schemas.microsoft.com/office/drawing/2014/main" id="{5C291585-0602-6B09-3084-E0CFA769C004}"/>
+              </a:ext>
+            </a:extLst>
+          </p:cNvPr>
+          <p:cNvSpPr/>
+          <p:nvPr/>
+        </p:nvSpPr>
+        <p:spPr>
+          <a:xfrm>
+            <a:off x="3167061" y="4637290"/>
+            <a:ext cx="1533525" cy="813122"/>
+          </a:xfrm>
+          <a:prstGeom prst="rect">
+            <a:avLst/>
+          </a:prstGeom>
+          <a:solidFill>
+            <a:schemeClr val="accent6">
+              <a:lumMod val="75000"/>
+            </a:schemeClr>
+          </a:solidFill>
+          <a:ln>
+            <a:noFill/>
+          </a:ln>
+        </p:spPr>
+        <p:style>
+          <a:lnRef idx="2">
+            <a:schemeClr val="accent1">
+              <a:shade val="50000"/>
+            </a:schemeClr>
+          </a:lnRef>
+          <a:fillRef idx="1">
+            <a:schemeClr val="accent1"/>
+          </a:fillRef>
+          <a:effectRef idx="0">
+            <a:schemeClr val="accent1"/>
+          </a:effectRef>
+          <a:fontRef idx="minor">
+            <a:schemeClr val="lt1"/>
+          </a:fontRef>
+        </p:style>
+        <p:txBody>
+          <a:bodyPr rtlCol="0" anchor="ctr"/>
+          <a:lstStyle/>
+          <a:p>
+            <a:pPr algn="ctr"/>
+            <a:r>
+              <a:rPr kumimoji="1" lang="en-US" altLang="ko-Kore-KR" dirty="0"/>
+              <a:t>Finalize with team 1</a:t>
+            </a:r>
+          </a:p>
+        </p:txBody>
+      </p:sp>
+      <p:sp>
+        <p:nvSpPr>
+          <p:cNvPr id="8" name="직사각형 7">
+            <a:extLst>
+              <a:ext uri="{FF2B5EF4-FFF2-40B4-BE49-F238E27FC236}">
+                <a16:creationId xmlns:a16="http://schemas.microsoft.com/office/drawing/2014/main" id="{23345A78-F508-927E-F724-C3D2F96400DE}"/>
+              </a:ext>
+            </a:extLst>
+          </p:cNvPr>
+          <p:cNvSpPr/>
+          <p:nvPr/>
+        </p:nvSpPr>
+        <p:spPr>
+          <a:xfrm>
+            <a:off x="1409703" y="2657356"/>
+            <a:ext cx="1533525" cy="813122"/>
+          </a:xfrm>
+          <a:prstGeom prst="rect">
+            <a:avLst/>
+          </a:prstGeom>
+          <a:solidFill>
+            <a:schemeClr val="accent6">
+              <a:lumMod val="75000"/>
+            </a:schemeClr>
+          </a:solidFill>
+          <a:ln>
+            <a:noFill/>
+          </a:ln>
+        </p:spPr>
+        <p:style>
+          <a:lnRef idx="2">
+            <a:schemeClr val="accent1">
+              <a:shade val="50000"/>
+            </a:schemeClr>
+          </a:lnRef>
+          <a:fillRef idx="1">
+            <a:schemeClr val="accent1"/>
+          </a:fillRef>
+          <a:effectRef idx="0">
+            <a:schemeClr val="accent1"/>
+          </a:effectRef>
+          <a:fontRef idx="minor">
+            <a:schemeClr val="lt1"/>
+          </a:fontRef>
+        </p:style>
+        <p:txBody>
+          <a:bodyPr rtlCol="0" anchor="ctr"/>
+          <a:lstStyle/>
+          <a:p>
+            <a:pPr algn="ctr"/>
+            <a:r>
+              <a:rPr kumimoji="1" lang="en-US" altLang="ko-Kore-KR" dirty="0"/>
+              <a:t>Role</a:t>
+            </a:r>
+          </a:p>
+          <a:p>
+            <a:pPr algn="ctr"/>
+            <a:r>
+              <a:rPr kumimoji="1" lang="en-US" altLang="ko-Kore-KR" dirty="0"/>
+              <a:t>Distribution</a:t>
+            </a:r>
+          </a:p>
+        </p:txBody>
+      </p:sp>
+      <p:sp>
+        <p:nvSpPr>
+          <p:cNvPr id="9" name="직사각형 8">
+            <a:extLst>
+              <a:ext uri="{FF2B5EF4-FFF2-40B4-BE49-F238E27FC236}">
+                <a16:creationId xmlns:a16="http://schemas.microsoft.com/office/drawing/2014/main" id="{497F044C-35F2-0074-912E-3D438A96F599}"/>
+              </a:ext>
+            </a:extLst>
+          </p:cNvPr>
+          <p:cNvSpPr/>
+          <p:nvPr/>
+        </p:nvSpPr>
+        <p:spPr>
+          <a:xfrm>
+            <a:off x="1409703" y="3638431"/>
+            <a:ext cx="1533525" cy="813122"/>
+          </a:xfrm>
+          <a:prstGeom prst="rect">
+            <a:avLst/>
+          </a:prstGeom>
+          <a:solidFill>
+            <a:schemeClr val="accent6">
+              <a:lumMod val="75000"/>
+            </a:schemeClr>
+          </a:solidFill>
+          <a:ln>
+            <a:noFill/>
+          </a:ln>
+        </p:spPr>
+        <p:style>
+          <a:lnRef idx="2">
+            <a:schemeClr val="accent1">
+              <a:shade val="50000"/>
+            </a:schemeClr>
+          </a:lnRef>
+          <a:fillRef idx="1">
+            <a:schemeClr val="accent1"/>
+          </a:fillRef>
+          <a:effectRef idx="0">
+            <a:schemeClr val="accent1"/>
+          </a:effectRef>
+          <a:fontRef idx="minor">
+            <a:schemeClr val="lt1"/>
+          </a:fontRef>
+        </p:style>
+        <p:txBody>
+          <a:bodyPr rtlCol="0" anchor="ctr"/>
+          <a:lstStyle/>
+          <a:p>
+            <a:pPr algn="ctr"/>
+            <a:r>
+              <a:rPr kumimoji="1" lang="en-US" altLang="ko-Kore-KR" dirty="0"/>
+              <a:t>Study for technique</a:t>
+            </a:r>
+          </a:p>
+        </p:txBody>
+      </p:sp>
+      <p:sp>
+        <p:nvSpPr>
+          <p:cNvPr id="19" name="직사각형 18">
+            <a:extLst>
+              <a:ext uri="{FF2B5EF4-FFF2-40B4-BE49-F238E27FC236}">
+                <a16:creationId xmlns:a16="http://schemas.microsoft.com/office/drawing/2014/main" id="{4C48D8F8-0DEC-F22B-084F-A93332FE93D3}"/>
+              </a:ext>
+            </a:extLst>
+          </p:cNvPr>
+          <p:cNvSpPr/>
+          <p:nvPr/>
+        </p:nvSpPr>
+        <p:spPr>
+          <a:xfrm>
+            <a:off x="4942140" y="2656405"/>
+            <a:ext cx="1533525" cy="813122"/>
+          </a:xfrm>
+          <a:prstGeom prst="rect">
+            <a:avLst/>
+          </a:prstGeom>
+          <a:solidFill>
+            <a:schemeClr val="accent6">
+              <a:lumMod val="75000"/>
+            </a:schemeClr>
+          </a:solidFill>
+          <a:ln>
+            <a:noFill/>
+          </a:ln>
+        </p:spPr>
+        <p:style>
+          <a:lnRef idx="2">
+            <a:schemeClr val="accent1">
+              <a:shade val="50000"/>
+            </a:schemeClr>
+          </a:lnRef>
+          <a:fillRef idx="1">
+            <a:schemeClr val="accent1"/>
+          </a:fillRef>
+          <a:effectRef idx="0">
+            <a:schemeClr val="accent1"/>
+          </a:effectRef>
+          <a:fontRef idx="minor">
+            <a:schemeClr val="lt1"/>
+          </a:fontRef>
+        </p:style>
+        <p:txBody>
+          <a:bodyPr rtlCol="0" anchor="ctr"/>
+          <a:lstStyle/>
+          <a:p>
+            <a:pPr algn="ctr"/>
+            <a:r>
+              <a:rPr kumimoji="1" lang="en-US" altLang="ko-Kore-KR" dirty="0"/>
+              <a:t>Design</a:t>
+            </a:r>
+          </a:p>
+        </p:txBody>
+      </p:sp>
+      <p:sp>
+        <p:nvSpPr>
+          <p:cNvPr id="23" name="직사각형 22">
+            <a:extLst>
+              <a:ext uri="{FF2B5EF4-FFF2-40B4-BE49-F238E27FC236}">
+                <a16:creationId xmlns:a16="http://schemas.microsoft.com/office/drawing/2014/main" id="{1F8355B1-4D27-2652-0913-DD85E26BA814}"/>
+              </a:ext>
+            </a:extLst>
+          </p:cNvPr>
+          <p:cNvSpPr/>
+          <p:nvPr/>
+        </p:nvSpPr>
+        <p:spPr>
+          <a:xfrm>
+            <a:off x="4942139" y="3638431"/>
+            <a:ext cx="1533525" cy="813122"/>
+          </a:xfrm>
+          <a:prstGeom prst="rect">
+            <a:avLst/>
+          </a:prstGeom>
+          <a:solidFill>
+            <a:schemeClr val="accent6">
+              <a:lumMod val="75000"/>
+            </a:schemeClr>
+          </a:solidFill>
+          <a:ln>
+            <a:noFill/>
+          </a:ln>
+        </p:spPr>
+        <p:style>
+          <a:lnRef idx="2">
+            <a:schemeClr val="accent1">
+              <a:shade val="50000"/>
+            </a:schemeClr>
+          </a:lnRef>
+          <a:fillRef idx="1">
+            <a:schemeClr val="accent1"/>
+          </a:fillRef>
+          <a:effectRef idx="0">
+            <a:schemeClr val="accent1"/>
+          </a:effectRef>
+          <a:fontRef idx="minor">
+            <a:schemeClr val="lt1"/>
+          </a:fontRef>
+        </p:style>
+        <p:txBody>
+          <a:bodyPr rtlCol="0" anchor="ctr"/>
+          <a:lstStyle/>
+          <a:p>
+            <a:pPr algn="ctr"/>
+            <a:r>
+              <a:rPr kumimoji="1" lang="en-US" altLang="ko-Kore-KR" dirty="0"/>
+              <a:t>Review</a:t>
+            </a:r>
+          </a:p>
+          <a:p>
+            <a:pPr algn="ctr"/>
+            <a:r>
+              <a:rPr kumimoji="1" lang="en-US" altLang="ko-Kore-KR" dirty="0"/>
+              <a:t>(with SRS)</a:t>
+            </a:r>
+          </a:p>
+        </p:txBody>
+      </p:sp>
+      <p:sp>
+        <p:nvSpPr>
+          <p:cNvPr id="27" name="직사각형 26">
+            <a:extLst>
+              <a:ext uri="{FF2B5EF4-FFF2-40B4-BE49-F238E27FC236}">
+                <a16:creationId xmlns:a16="http://schemas.microsoft.com/office/drawing/2014/main" id="{930FED01-085B-3921-21DC-6B43BF5B3336}"/>
+              </a:ext>
+            </a:extLst>
+          </p:cNvPr>
+          <p:cNvSpPr/>
+          <p:nvPr/>
+        </p:nvSpPr>
+        <p:spPr>
+          <a:xfrm>
+            <a:off x="4942139" y="4623002"/>
+            <a:ext cx="1533525" cy="813122"/>
+          </a:xfrm>
+          <a:prstGeom prst="rect">
+            <a:avLst/>
+          </a:prstGeom>
+          <a:solidFill>
+            <a:schemeClr val="accent6">
+              <a:lumMod val="75000"/>
+            </a:schemeClr>
+          </a:solidFill>
+          <a:ln>
+            <a:noFill/>
+          </a:ln>
+        </p:spPr>
+        <p:style>
+          <a:lnRef idx="2">
+            <a:schemeClr val="accent1">
+              <a:shade val="50000"/>
+            </a:schemeClr>
+          </a:lnRef>
+          <a:fillRef idx="1">
+            <a:schemeClr val="accent1"/>
+          </a:fillRef>
+          <a:effectRef idx="0">
+            <a:schemeClr val="accent1"/>
+          </a:effectRef>
+          <a:fontRef idx="minor">
+            <a:schemeClr val="lt1"/>
+          </a:fontRef>
+        </p:style>
+        <p:txBody>
+          <a:bodyPr rtlCol="0" anchor="ctr"/>
+          <a:lstStyle/>
+          <a:p>
+            <a:pPr algn="ctr"/>
+            <a:r>
+              <a:rPr kumimoji="1" lang="en-US" altLang="ko-Kore-KR" dirty="0" err="1"/>
+              <a:t>Reqs</a:t>
+            </a:r>
+            <a:endParaRPr kumimoji="1" lang="en-US" altLang="ko-Kore-KR" dirty="0"/>
+          </a:p>
+          <a:p>
+            <a:pPr algn="ctr"/>
+            <a:r>
+              <a:rPr kumimoji="1" lang="en-US" altLang="ko-Kore-KR" dirty="0"/>
+              <a:t>Modification</a:t>
+            </a:r>
+          </a:p>
+        </p:txBody>
+      </p:sp>
+      <p:sp>
+        <p:nvSpPr>
+          <p:cNvPr id="28" name="직사각형 27">
+            <a:extLst>
+              <a:ext uri="{FF2B5EF4-FFF2-40B4-BE49-F238E27FC236}">
+                <a16:creationId xmlns:a16="http://schemas.microsoft.com/office/drawing/2014/main" id="{2D7007E6-26FC-D681-077C-1F31FD13EE74}"/>
+              </a:ext>
+            </a:extLst>
+          </p:cNvPr>
+          <p:cNvSpPr/>
+          <p:nvPr/>
+        </p:nvSpPr>
+        <p:spPr>
+          <a:xfrm>
+            <a:off x="6781803" y="2656405"/>
+            <a:ext cx="1533525" cy="813122"/>
+          </a:xfrm>
+          <a:prstGeom prst="rect">
+            <a:avLst/>
+          </a:prstGeom>
+          <a:solidFill>
+            <a:schemeClr val="accent6">
+              <a:lumMod val="75000"/>
+            </a:schemeClr>
+          </a:solidFill>
+          <a:ln>
+            <a:noFill/>
+          </a:ln>
+        </p:spPr>
+        <p:style>
+          <a:lnRef idx="2">
+            <a:schemeClr val="accent1">
+              <a:shade val="50000"/>
+            </a:schemeClr>
+          </a:lnRef>
+          <a:fillRef idx="1">
+            <a:schemeClr val="accent1"/>
+          </a:fillRef>
+          <a:effectRef idx="0">
+            <a:schemeClr val="accent1"/>
+          </a:effectRef>
+          <a:fontRef idx="minor">
+            <a:schemeClr val="lt1"/>
+          </a:fontRef>
+        </p:style>
+        <p:txBody>
+          <a:bodyPr rtlCol="0" anchor="ctr"/>
+          <a:lstStyle/>
+          <a:p>
+            <a:pPr algn="ctr"/>
+            <a:r>
+              <a:rPr kumimoji="1" lang="en-US" altLang="ko-Kore-KR" dirty="0"/>
+              <a:t>Component</a:t>
+            </a:r>
+          </a:p>
+          <a:p>
+            <a:pPr algn="ctr"/>
+            <a:r>
+              <a:rPr kumimoji="1" lang="en-US" altLang="ko-Kore-KR" dirty="0"/>
+              <a:t>Design</a:t>
+            </a:r>
+          </a:p>
+        </p:txBody>
+      </p:sp>
+      <p:sp>
+        <p:nvSpPr>
+          <p:cNvPr id="32" name="직사각형 31">
+            <a:extLst>
+              <a:ext uri="{FF2B5EF4-FFF2-40B4-BE49-F238E27FC236}">
+                <a16:creationId xmlns:a16="http://schemas.microsoft.com/office/drawing/2014/main" id="{BCB78AB4-A67A-E2DB-A820-C49EAD92964C}"/>
+              </a:ext>
+            </a:extLst>
+          </p:cNvPr>
+          <p:cNvSpPr/>
+          <p:nvPr/>
+        </p:nvSpPr>
+        <p:spPr>
+          <a:xfrm>
+            <a:off x="6781802" y="3638431"/>
+            <a:ext cx="1533525" cy="813122"/>
+          </a:xfrm>
+          <a:prstGeom prst="rect">
+            <a:avLst/>
+          </a:prstGeom>
+          <a:solidFill>
+            <a:schemeClr val="accent6">
+              <a:lumMod val="75000"/>
+            </a:schemeClr>
+          </a:solidFill>
+          <a:ln>
+            <a:noFill/>
+          </a:ln>
+        </p:spPr>
+        <p:style>
+          <a:lnRef idx="2">
+            <a:schemeClr val="accent1">
+              <a:shade val="50000"/>
+            </a:schemeClr>
+          </a:lnRef>
+          <a:fillRef idx="1">
+            <a:schemeClr val="accent1"/>
+          </a:fillRef>
+          <a:effectRef idx="0">
+            <a:schemeClr val="accent1"/>
+          </a:effectRef>
+          <a:fontRef idx="minor">
+            <a:schemeClr val="lt1"/>
+          </a:fontRef>
+        </p:style>
+        <p:txBody>
+          <a:bodyPr rtlCol="0" anchor="ctr"/>
+          <a:lstStyle/>
+          <a:p>
+            <a:pPr algn="ctr"/>
+            <a:r>
+              <a:rPr kumimoji="1" lang="en-US" altLang="ko-Kore-KR" dirty="0"/>
+              <a:t>Module Design</a:t>
+            </a:r>
+          </a:p>
+        </p:txBody>
+      </p:sp>
+      <p:sp>
+        <p:nvSpPr>
+          <p:cNvPr id="33" name="직사각형 32">
+            <a:extLst>
+              <a:ext uri="{FF2B5EF4-FFF2-40B4-BE49-F238E27FC236}">
+                <a16:creationId xmlns:a16="http://schemas.microsoft.com/office/drawing/2014/main" id="{DB075F0A-5FBA-9381-6960-FBDD51033A94}"/>
+              </a:ext>
+            </a:extLst>
+          </p:cNvPr>
+          <p:cNvSpPr/>
+          <p:nvPr/>
+        </p:nvSpPr>
+        <p:spPr>
+          <a:xfrm>
+            <a:off x="8772531" y="2656405"/>
+            <a:ext cx="1533525" cy="813122"/>
+          </a:xfrm>
+          <a:prstGeom prst="rect">
+            <a:avLst/>
+          </a:prstGeom>
+          <a:solidFill>
+            <a:schemeClr val="accent6">
+              <a:lumMod val="75000"/>
+            </a:schemeClr>
+          </a:solidFill>
+          <a:ln>
+            <a:noFill/>
+          </a:ln>
+        </p:spPr>
+        <p:style>
+          <a:lnRef idx="2">
+            <a:schemeClr val="accent1">
+              <a:shade val="50000"/>
+            </a:schemeClr>
+          </a:lnRef>
+          <a:fillRef idx="1">
+            <a:schemeClr val="accent1"/>
+          </a:fillRef>
+          <a:effectRef idx="0">
+            <a:schemeClr val="accent1"/>
+          </a:effectRef>
+          <a:fontRef idx="minor">
+            <a:schemeClr val="lt1"/>
+          </a:fontRef>
+        </p:style>
+        <p:txBody>
+          <a:bodyPr rtlCol="0" anchor="ctr"/>
+          <a:lstStyle/>
+          <a:p>
+            <a:pPr algn="ctr"/>
+            <a:r>
+              <a:rPr kumimoji="1" lang="en-US" altLang="ko-Kore-KR" dirty="0"/>
+              <a:t>Review &amp;</a:t>
+            </a:r>
+          </a:p>
+          <a:p>
+            <a:pPr algn="ctr"/>
+            <a:r>
+              <a:rPr kumimoji="1" lang="en-US" altLang="ko-Kore-KR" dirty="0"/>
+              <a:t>Dependency</a:t>
+            </a:r>
+          </a:p>
+        </p:txBody>
+      </p:sp>
+      <p:sp>
+        <p:nvSpPr>
+          <p:cNvPr id="34" name="직사각형 33">
+            <a:extLst>
+              <a:ext uri="{FF2B5EF4-FFF2-40B4-BE49-F238E27FC236}">
+                <a16:creationId xmlns:a16="http://schemas.microsoft.com/office/drawing/2014/main" id="{99874CEA-6A1F-76B2-4D6C-0F91AEA43435}"/>
+              </a:ext>
+            </a:extLst>
+          </p:cNvPr>
+          <p:cNvSpPr/>
+          <p:nvPr/>
+        </p:nvSpPr>
+        <p:spPr>
+          <a:xfrm>
+            <a:off x="6781802" y="4637290"/>
+            <a:ext cx="1533525" cy="813122"/>
+          </a:xfrm>
+          <a:prstGeom prst="rect">
+            <a:avLst/>
+          </a:prstGeom>
+          <a:solidFill>
+            <a:schemeClr val="accent6">
+              <a:lumMod val="75000"/>
+            </a:schemeClr>
+          </a:solidFill>
+          <a:ln>
+            <a:noFill/>
+          </a:ln>
+        </p:spPr>
+        <p:style>
+          <a:lnRef idx="2">
+            <a:schemeClr val="accent1">
+              <a:shade val="50000"/>
+            </a:schemeClr>
+          </a:lnRef>
+          <a:fillRef idx="1">
+            <a:schemeClr val="accent1"/>
+          </a:fillRef>
+          <a:effectRef idx="0">
+            <a:schemeClr val="accent1"/>
+          </a:effectRef>
+          <a:fontRef idx="minor">
+            <a:schemeClr val="lt1"/>
+          </a:fontRef>
+        </p:style>
+        <p:txBody>
+          <a:bodyPr rtlCol="0" anchor="ctr"/>
+          <a:lstStyle/>
+          <a:p>
+            <a:pPr algn="ctr"/>
+            <a:r>
+              <a:rPr kumimoji="1" lang="en-US" altLang="ko-Kore-KR" dirty="0" err="1"/>
+              <a:t>Reqs</a:t>
+            </a:r>
+            <a:endParaRPr kumimoji="1" lang="en-US" altLang="ko-Kore-KR" dirty="0"/>
+          </a:p>
+          <a:p>
+            <a:pPr algn="ctr"/>
+            <a:r>
+              <a:rPr kumimoji="1" lang="en-US" altLang="ko-Kore-KR" dirty="0"/>
+              <a:t>Modification</a:t>
+            </a:r>
+          </a:p>
+        </p:txBody>
+      </p:sp>
+      <p:sp>
+        <p:nvSpPr>
+          <p:cNvPr id="35" name="직사각형 34">
+            <a:extLst>
+              <a:ext uri="{FF2B5EF4-FFF2-40B4-BE49-F238E27FC236}">
+                <a16:creationId xmlns:a16="http://schemas.microsoft.com/office/drawing/2014/main" id="{E599D5FA-93F3-E855-897D-7E10F3768F54}"/>
+              </a:ext>
+            </a:extLst>
+          </p:cNvPr>
+          <p:cNvSpPr/>
+          <p:nvPr/>
+        </p:nvSpPr>
+        <p:spPr>
+          <a:xfrm>
+            <a:off x="8772531" y="3638431"/>
+            <a:ext cx="1533525" cy="813122"/>
+          </a:xfrm>
+          <a:prstGeom prst="rect">
+            <a:avLst/>
+          </a:prstGeom>
+          <a:solidFill>
+            <a:schemeClr val="accent6">
+              <a:lumMod val="75000"/>
+            </a:schemeClr>
+          </a:solidFill>
+          <a:ln>
+            <a:noFill/>
+          </a:ln>
+        </p:spPr>
+        <p:style>
+          <a:lnRef idx="2">
+            <a:schemeClr val="accent1">
+              <a:shade val="50000"/>
+            </a:schemeClr>
+          </a:lnRef>
+          <a:fillRef idx="1">
+            <a:schemeClr val="accent1"/>
+          </a:fillRef>
+          <a:effectRef idx="0">
+            <a:schemeClr val="accent1"/>
+          </a:effectRef>
+          <a:fontRef idx="minor">
+            <a:schemeClr val="lt1"/>
+          </a:fontRef>
+        </p:style>
+        <p:txBody>
+          <a:bodyPr rtlCol="0" anchor="ctr"/>
+          <a:lstStyle/>
+          <a:p>
+            <a:pPr algn="ctr"/>
+            <a:r>
+              <a:rPr kumimoji="1" lang="en-US" altLang="ko-Kore-KR" dirty="0"/>
+              <a:t>Finalize with team 1</a:t>
+            </a:r>
+          </a:p>
+        </p:txBody>
+      </p:sp>
+    </p:spTree>
+    <p:extLst>
+      <p:ext uri="{BB962C8B-B14F-4D97-AF65-F5344CB8AC3E}">
+        <p14:creationId xmlns:p14="http://schemas.microsoft.com/office/powerpoint/2010/main" val="3499775167"/>
+      </p:ext>
+    </p:extLst>
+  </p:cSld>
+  <p:clrMapOvr>
+    <a:masterClrMapping/>
+  </p:clrMapOvr>
+</p:sld>
+</file>
+
 <file path=ppt/theme/theme1.xml><?xml version="1.0" encoding="utf-8"?>
 <a:theme xmlns:a="http://schemas.openxmlformats.org/drawingml/2006/main" name="Office 테마">
   <a:themeElements>
